--- a/slides/JS-Parte 1.pptx
+++ b/slides/JS-Parte 1.pptx
@@ -7,10 +7,10 @@
   <p:sldIdLst>
     <p:sldId id="256" r:id="rId2"/>
     <p:sldId id="257" r:id="rId3"/>
-    <p:sldId id="258" r:id="rId4"/>
-    <p:sldId id="259" r:id="rId5"/>
-    <p:sldId id="263" r:id="rId6"/>
-    <p:sldId id="260" r:id="rId7"/>
+    <p:sldId id="260" r:id="rId4"/>
+    <p:sldId id="258" r:id="rId5"/>
+    <p:sldId id="259" r:id="rId6"/>
+    <p:sldId id="263" r:id="rId7"/>
     <p:sldId id="261" r:id="rId8"/>
     <p:sldId id="262" r:id="rId9"/>
     <p:sldId id="264" r:id="rId10"/>
@@ -270,7 +270,7 @@
           <a:p>
             <a:fld id="{598A5630-C55B-7543-B80A-E08CCEE6AFD2}" type="datetimeFigureOut">
               <a:rPr lang="pt-BR" smtClean="0"/>
-              <a:t>26/03/2024</a:t>
+              <a:t>20/08/2024</a:t>
             </a:fld>
             <a:endParaRPr lang="pt-BR"/>
           </a:p>
@@ -443,7 +443,7 @@
           <a:p>
             <a:fld id="{598A5630-C55B-7543-B80A-E08CCEE6AFD2}" type="datetimeFigureOut">
               <a:rPr lang="pt-BR" smtClean="0"/>
-              <a:t>26/03/2024</a:t>
+              <a:t>20/08/2024</a:t>
             </a:fld>
             <a:endParaRPr lang="pt-BR"/>
           </a:p>
@@ -626,7 +626,7 @@
           <a:p>
             <a:fld id="{598A5630-C55B-7543-B80A-E08CCEE6AFD2}" type="datetimeFigureOut">
               <a:rPr lang="pt-BR" smtClean="0"/>
-              <a:t>26/03/2024</a:t>
+              <a:t>20/08/2024</a:t>
             </a:fld>
             <a:endParaRPr lang="pt-BR"/>
           </a:p>
@@ -799,7 +799,7 @@
           <a:p>
             <a:fld id="{598A5630-C55B-7543-B80A-E08CCEE6AFD2}" type="datetimeFigureOut">
               <a:rPr lang="pt-BR" smtClean="0"/>
-              <a:t>26/03/2024</a:t>
+              <a:t>20/08/2024</a:t>
             </a:fld>
             <a:endParaRPr lang="pt-BR"/>
           </a:p>
@@ -1077,7 +1077,7 @@
           <a:p>
             <a:fld id="{598A5630-C55B-7543-B80A-E08CCEE6AFD2}" type="datetimeFigureOut">
               <a:rPr lang="pt-BR" smtClean="0"/>
-              <a:t>26/03/2024</a:t>
+              <a:t>20/08/2024</a:t>
             </a:fld>
             <a:endParaRPr lang="pt-BR"/>
           </a:p>
@@ -1292,7 +1292,7 @@
           <a:p>
             <a:fld id="{598A5630-C55B-7543-B80A-E08CCEE6AFD2}" type="datetimeFigureOut">
               <a:rPr lang="pt-BR" smtClean="0"/>
-              <a:t>26/03/2024</a:t>
+              <a:t>20/08/2024</a:t>
             </a:fld>
             <a:endParaRPr lang="pt-BR"/>
           </a:p>
@@ -1660,7 +1660,7 @@
           <a:p>
             <a:fld id="{598A5630-C55B-7543-B80A-E08CCEE6AFD2}" type="datetimeFigureOut">
               <a:rPr lang="pt-BR" smtClean="0"/>
-              <a:t>26/03/2024</a:t>
+              <a:t>20/08/2024</a:t>
             </a:fld>
             <a:endParaRPr lang="pt-BR"/>
           </a:p>
@@ -1801,7 +1801,7 @@
           <a:p>
             <a:fld id="{598A5630-C55B-7543-B80A-E08CCEE6AFD2}" type="datetimeFigureOut">
               <a:rPr lang="pt-BR" smtClean="0"/>
-              <a:t>26/03/2024</a:t>
+              <a:t>20/08/2024</a:t>
             </a:fld>
             <a:endParaRPr lang="pt-BR"/>
           </a:p>
@@ -1914,7 +1914,7 @@
           <a:p>
             <a:fld id="{598A5630-C55B-7543-B80A-E08CCEE6AFD2}" type="datetimeFigureOut">
               <a:rPr lang="pt-BR" smtClean="0"/>
-              <a:t>26/03/2024</a:t>
+              <a:t>20/08/2024</a:t>
             </a:fld>
             <a:endParaRPr lang="pt-BR"/>
           </a:p>
@@ -2203,7 +2203,7 @@
           <a:p>
             <a:fld id="{598A5630-C55B-7543-B80A-E08CCEE6AFD2}" type="datetimeFigureOut">
               <a:rPr lang="pt-BR" smtClean="0"/>
-              <a:t>26/03/2024</a:t>
+              <a:t>20/08/2024</a:t>
             </a:fld>
             <a:endParaRPr lang="pt-BR"/>
           </a:p>
@@ -2494,7 +2494,7 @@
           <a:p>
             <a:fld id="{598A5630-C55B-7543-B80A-E08CCEE6AFD2}" type="datetimeFigureOut">
               <a:rPr lang="pt-BR" smtClean="0"/>
-              <a:t>26/03/2024</a:t>
+              <a:t>20/08/2024</a:t>
             </a:fld>
             <a:endParaRPr lang="pt-BR"/>
           </a:p>
@@ -2710,7 +2710,7 @@
           <a:p>
             <a:fld id="{598A5630-C55B-7543-B80A-E08CCEE6AFD2}" type="datetimeFigureOut">
               <a:rPr lang="pt-BR" smtClean="0"/>
-              <a:t>26/03/2024</a:t>
+              <a:t>20/08/2024</a:t>
             </a:fld>
             <a:endParaRPr lang="pt-BR"/>
           </a:p>
@@ -3749,8 +3749,8 @@
         </p:blipFill>
         <p:spPr>
           <a:xfrm>
-            <a:off x="6206066" y="1690688"/>
-            <a:ext cx="5147734" cy="4285488"/>
+            <a:off x="296197" y="271827"/>
+            <a:ext cx="7569609" cy="6301699"/>
           </a:xfrm>
           <a:prstGeom prst="rect">
             <a:avLst/>
@@ -3866,7 +3866,39 @@
                   <a:srgbClr val="00FF00"/>
                 </a:highlight>
               </a:rPr>
-              <a:t> pelo navegador</a:t>
+              <a:t> pelo navegador (V8 </a:t>
+            </a:r>
+            <a:r>
+              <a:rPr lang="pt-BR" dirty="0" err="1">
+                <a:highlight>
+                  <a:srgbClr val="00FF00"/>
+                </a:highlight>
+              </a:rPr>
+              <a:t>engine</a:t>
+            </a:r>
+            <a:r>
+              <a:rPr lang="pt-BR" dirty="0">
+                <a:highlight>
+                  <a:srgbClr val="00FF00"/>
+                </a:highlight>
+              </a:rPr>
+              <a:t>) ou </a:t>
+            </a:r>
+            <a:r>
+              <a:rPr lang="pt-BR" dirty="0" err="1">
+                <a:highlight>
+                  <a:srgbClr val="00FF00"/>
+                </a:highlight>
+              </a:rPr>
+              <a:t>NodeJS</a:t>
+            </a:r>
+            <a:r>
+              <a:rPr lang="pt-BR" dirty="0">
+                <a:highlight>
+                  <a:srgbClr val="00FF00"/>
+                </a:highlight>
+              </a:rPr>
+              <a:t> </a:t>
             </a:r>
           </a:p>
           <a:p>
@@ -3902,6 +3934,38 @@
                 </a:highlight>
               </a:rPr>
               <a:t>end</a:t>
+            </a:r>
+            <a:r>
+              <a:rPr lang="pt-BR" dirty="0">
+                <a:highlight>
+                  <a:srgbClr val="00FF00"/>
+                </a:highlight>
+              </a:rPr>
+              <a:t>) e no </a:t>
+            </a:r>
+            <a:r>
+              <a:rPr lang="pt-BR" dirty="0" err="1">
+                <a:highlight>
+                  <a:srgbClr val="00FF00"/>
+                </a:highlight>
+              </a:rPr>
+              <a:t>backend</a:t>
+            </a:r>
+            <a:r>
+              <a:rPr lang="pt-BR" dirty="0">
+                <a:highlight>
+                  <a:srgbClr val="00FF00"/>
+                </a:highlight>
+              </a:rPr>
+              <a:t> (</a:t>
+            </a:r>
+            <a:r>
+              <a:rPr lang="pt-BR" dirty="0" err="1">
+                <a:highlight>
+                  <a:srgbClr val="00FF00"/>
+                </a:highlight>
+              </a:rPr>
+              <a:t>NodeJS</a:t>
             </a:r>
             <a:r>
               <a:rPr lang="pt-BR" dirty="0">
@@ -3996,7 +4060,7 @@
           <p:cNvPr id="2" name="Título 1">
             <a:extLst>
               <a:ext uri="{FF2B5EF4-FFF2-40B4-BE49-F238E27FC236}">
-                <a16:creationId xmlns:a16="http://schemas.microsoft.com/office/drawing/2014/main" id="{5BB5B6DE-2E82-DF4E-8A88-64A70A0B55FA}"/>
+                <a16:creationId xmlns:a16="http://schemas.microsoft.com/office/drawing/2014/main" id="{30F74EDA-028F-684E-B0D5-4AAC4CE5B5E2}"/>
               </a:ext>
             </a:extLst>
           </p:cNvPr>
@@ -4014,7 +4078,7 @@
           <a:p>
             <a:r>
               <a:rPr lang="pt-BR" dirty="0"/>
-              <a:t>Tipos de dados</a:t>
+              <a:t>Comando de atribuição</a:t>
             </a:r>
           </a:p>
         </p:txBody>
@@ -4024,7 +4088,7 @@
           <p:cNvPr id="3" name="Espaço Reservado para Conteúdo 2">
             <a:extLst>
               <a:ext uri="{FF2B5EF4-FFF2-40B4-BE49-F238E27FC236}">
-                <a16:creationId xmlns:a16="http://schemas.microsoft.com/office/drawing/2014/main" id="{5A80D31A-641B-FB4E-B215-72B7F2CA263D}"/>
+                <a16:creationId xmlns:a16="http://schemas.microsoft.com/office/drawing/2014/main" id="{804191A7-4A73-734F-B8F9-768278C4A4F3}"/>
               </a:ext>
             </a:extLst>
           </p:cNvPr>
@@ -4041,24 +4105,8 @@
           <a:lstStyle/>
           <a:p>
             <a:r>
-              <a:rPr lang="pt-BR" dirty="0" err="1">
-                <a:highlight>
-                  <a:srgbClr val="00FF00"/>
-                </a:highlight>
-              </a:rPr>
-              <a:t>Tipagem</a:t>
-            </a:r>
-            <a:r>
-              <a:rPr lang="pt-BR" dirty="0">
-                <a:highlight>
-                  <a:srgbClr val="00FF00"/>
-                </a:highlight>
-              </a:rPr>
-              <a:t> é dinâmica</a:t>
-            </a:r>
-            <a:r>
-              <a:rPr lang="pt-BR" dirty="0"/>
-              <a:t>, ou seja, o tipo da variável é associado ao valor que recebe, e não na declaração</a:t>
+              <a:rPr lang="pt-BR" dirty="0"/>
+              <a:t>Apenas um sinal de =</a:t>
             </a:r>
           </a:p>
           <a:p>
@@ -4072,80 +4120,37 @@
               <a:buNone/>
             </a:pPr>
             <a:r>
-              <a:rPr lang="pt-BR" dirty="0" err="1">
-                <a:highlight>
-                  <a:srgbClr val="00FF00"/>
-                </a:highlight>
-              </a:rPr>
+              <a:rPr lang="pt-BR" dirty="0" err="1"/>
               <a:t>let</a:t>
             </a:r>
             <a:r>
-              <a:rPr lang="pt-BR" dirty="0">
-                <a:highlight>
-                  <a:srgbClr val="00FF00"/>
-                </a:highlight>
-              </a:rPr>
-              <a:t> peso;</a:t>
-            </a:r>
-          </a:p>
-          <a:p>
-            <a:pPr marL="0" indent="0">
-              <a:buNone/>
-            </a:pPr>
-            <a:r>
-              <a:rPr lang="pt-BR" dirty="0">
-                <a:highlight>
-                  <a:srgbClr val="00FF00"/>
-                </a:highlight>
-              </a:rPr>
-              <a:t>peso = 45; </a:t>
-            </a:r>
-            <a:r>
-              <a:rPr lang="pt-BR" dirty="0"/>
-              <a:t>// tipo inteiro</a:t>
-            </a:r>
-          </a:p>
-          <a:p>
-            <a:pPr marL="0" indent="0">
-              <a:buNone/>
-            </a:pPr>
-            <a:r>
-              <a:rPr lang="pt-BR" dirty="0">
-                <a:highlight>
-                  <a:srgbClr val="00FF00"/>
-                </a:highlight>
-              </a:rPr>
-              <a:t>peso = 45.5; </a:t>
-            </a:r>
-            <a:r>
-              <a:rPr lang="pt-BR" dirty="0"/>
-              <a:t>// tipo real</a:t>
-            </a:r>
-          </a:p>
-          <a:p>
-            <a:pPr marL="0" indent="0">
-              <a:buNone/>
-            </a:pPr>
-            <a:r>
-              <a:rPr lang="pt-BR" dirty="0">
-                <a:highlight>
-                  <a:srgbClr val="00FF00"/>
-                </a:highlight>
-              </a:rPr>
-              <a:t>peso = “45 kg”; </a:t>
-            </a:r>
-            <a:r>
-              <a:rPr lang="pt-BR" dirty="0"/>
-              <a:t>// tipo texto ou </a:t>
-            </a:r>
-            <a:r>
-              <a:rPr lang="pt-BR" dirty="0" err="1"/>
-              <a:t>string</a:t>
-            </a:r>
-            <a:r>
-              <a:rPr lang="pt-BR" dirty="0"/>
-              <a:t> </a:t>
-            </a:r>
+              <a:rPr lang="pt-BR" dirty="0"/>
+              <a:t> a;</a:t>
+            </a:r>
+          </a:p>
+          <a:p>
+            <a:pPr marL="0" indent="0">
+              <a:buNone/>
+            </a:pPr>
+            <a:r>
+              <a:rPr lang="pt-BR" dirty="0"/>
+              <a:t>a = 10;</a:t>
+            </a:r>
+          </a:p>
+          <a:p>
+            <a:pPr marL="0" indent="0">
+              <a:buNone/>
+            </a:pPr>
+            <a:r>
+              <a:rPr lang="pt-BR" dirty="0"/>
+              <a:t>a = “maior”;</a:t>
+            </a:r>
+          </a:p>
+          <a:p>
+            <a:pPr marL="0" indent="0">
+              <a:buNone/>
+            </a:pPr>
+            <a:endParaRPr lang="pt-BR" dirty="0"/>
           </a:p>
           <a:p>
             <a:endParaRPr lang="pt-BR" dirty="0"/>
@@ -4155,7 +4160,7 @@
     </p:spTree>
     <p:extLst>
       <p:ext uri="{BB962C8B-B14F-4D97-AF65-F5344CB8AC3E}">
-        <p14:creationId xmlns:p14="http://schemas.microsoft.com/office/powerpoint/2010/main" val="1071493134"/>
+        <p14:creationId xmlns:p14="http://schemas.microsoft.com/office/powerpoint/2010/main" val="114594595"/>
       </p:ext>
     </p:extLst>
   </p:cSld>
@@ -4187,7 +4192,7 @@
           <p:cNvPr id="2" name="Título 1">
             <a:extLst>
               <a:ext uri="{FF2B5EF4-FFF2-40B4-BE49-F238E27FC236}">
-                <a16:creationId xmlns:a16="http://schemas.microsoft.com/office/drawing/2014/main" id="{D7698A25-796A-6240-B8C8-DE9874FA9146}"/>
+                <a16:creationId xmlns:a16="http://schemas.microsoft.com/office/drawing/2014/main" id="{5BB5B6DE-2E82-DF4E-8A88-64A70A0B55FA}"/>
               </a:ext>
             </a:extLst>
           </p:cNvPr>
@@ -4205,7 +4210,7 @@
           <a:p>
             <a:r>
               <a:rPr lang="pt-BR" dirty="0"/>
-              <a:t>Operadores Matemáticos</a:t>
+              <a:t>Tipos de dados</a:t>
             </a:r>
           </a:p>
         </p:txBody>
@@ -4215,7 +4220,7 @@
           <p:cNvPr id="3" name="Espaço Reservado para Conteúdo 2">
             <a:extLst>
               <a:ext uri="{FF2B5EF4-FFF2-40B4-BE49-F238E27FC236}">
-                <a16:creationId xmlns:a16="http://schemas.microsoft.com/office/drawing/2014/main" id="{AC512B60-F835-6A43-A5BE-5BB50D09491A}"/>
+                <a16:creationId xmlns:a16="http://schemas.microsoft.com/office/drawing/2014/main" id="{5A80D31A-641B-FB4E-B215-72B7F2CA263D}"/>
               </a:ext>
             </a:extLst>
           </p:cNvPr>
@@ -4228,144 +4233,114 @@
         </p:nvSpPr>
         <p:spPr/>
         <p:txBody>
-          <a:bodyPr>
-            <a:normAutofit fontScale="85000" lnSpcReduction="20000"/>
-          </a:bodyPr>
-          <a:lstStyle/>
-          <a:p>
-            <a:r>
-              <a:rPr lang="pt-BR" dirty="0"/>
-              <a:t>Soma: sinal de +</a:t>
-            </a:r>
-          </a:p>
-          <a:p>
-            <a:r>
-              <a:rPr lang="pt-BR" dirty="0"/>
-              <a:t>Subtração: sinal de -</a:t>
-            </a:r>
-          </a:p>
-          <a:p>
-            <a:r>
-              <a:rPr lang="pt-BR" dirty="0"/>
-              <a:t>Multiplicação: sinal de *</a:t>
-            </a:r>
-          </a:p>
-          <a:p>
-            <a:r>
-              <a:rPr lang="pt-BR" dirty="0"/>
-              <a:t>Divisão: sinal de /</a:t>
-            </a:r>
-          </a:p>
-          <a:p>
-            <a:r>
-              <a:rPr lang="pt-BR" dirty="0"/>
-              <a:t>Exemplo: </a:t>
-            </a:r>
-          </a:p>
-          <a:p>
-            <a:pPr marL="0" indent="0">
-              <a:buNone/>
-            </a:pPr>
-            <a:r>
-              <a:rPr lang="pt-BR" dirty="0" err="1"/>
+          <a:bodyPr/>
+          <a:lstStyle/>
+          <a:p>
+            <a:r>
+              <a:rPr lang="pt-BR" dirty="0" err="1">
+                <a:highlight>
+                  <a:srgbClr val="00FF00"/>
+                </a:highlight>
+              </a:rPr>
+              <a:t>Tipagem</a:t>
+            </a:r>
+            <a:r>
+              <a:rPr lang="pt-BR" dirty="0">
+                <a:highlight>
+                  <a:srgbClr val="00FF00"/>
+                </a:highlight>
+              </a:rPr>
+              <a:t> é dinâmica</a:t>
+            </a:r>
+            <a:r>
+              <a:rPr lang="pt-BR" dirty="0"/>
+              <a:t>, ou seja, o tipo da variável é associado ao valor que recebe, e não na declaração</a:t>
+            </a:r>
+          </a:p>
+          <a:p>
+            <a:r>
+              <a:rPr lang="pt-BR" dirty="0"/>
+              <a:t>Exemplo:</a:t>
+            </a:r>
+          </a:p>
+          <a:p>
+            <a:pPr marL="0" indent="0">
+              <a:buNone/>
+            </a:pPr>
+            <a:r>
+              <a:rPr lang="pt-BR" dirty="0" err="1">
+                <a:highlight>
+                  <a:srgbClr val="00FF00"/>
+                </a:highlight>
+              </a:rPr>
               <a:t>let</a:t>
             </a:r>
             <a:r>
-              <a:rPr lang="pt-BR" dirty="0"/>
-              <a:t> a, b, c, d, e, f;</a:t>
-            </a:r>
-          </a:p>
-          <a:p>
-            <a:pPr marL="0" indent="0">
-              <a:buNone/>
-            </a:pPr>
-            <a:r>
-              <a:rPr lang="pt-BR" dirty="0"/>
-              <a:t>a = 2; </a:t>
-            </a:r>
-            <a:r>
-              <a:rPr lang="pt-BR" dirty="0" err="1"/>
-              <a:t>b</a:t>
-            </a:r>
-            <a:r>
-              <a:rPr lang="pt-BR" dirty="0"/>
-              <a:t> = 3;</a:t>
-            </a:r>
-          </a:p>
-          <a:p>
-            <a:pPr marL="0" indent="0">
-              <a:buNone/>
-            </a:pPr>
-            <a:r>
-              <a:rPr lang="pt-BR" dirty="0"/>
-              <a:t>c = a + </a:t>
-            </a:r>
-            <a:r>
-              <a:rPr lang="pt-BR" dirty="0" err="1"/>
-              <a:t>b</a:t>
-            </a:r>
-            <a:r>
-              <a:rPr lang="pt-BR" dirty="0"/>
-              <a:t>; // 5</a:t>
-            </a:r>
-          </a:p>
-          <a:p>
-            <a:pPr marL="0" indent="0">
-              <a:buNone/>
-            </a:pPr>
-            <a:r>
-              <a:rPr lang="pt-BR" dirty="0" err="1"/>
-              <a:t>d</a:t>
-            </a:r>
-            <a:r>
-              <a:rPr lang="pt-BR" dirty="0"/>
-              <a:t> = a – </a:t>
-            </a:r>
-            <a:r>
-              <a:rPr lang="pt-BR" dirty="0" err="1"/>
-              <a:t>b</a:t>
-            </a:r>
-            <a:r>
-              <a:rPr lang="pt-BR" dirty="0"/>
-              <a:t>; // -1</a:t>
-            </a:r>
-          </a:p>
-          <a:p>
-            <a:pPr marL="0" indent="0">
-              <a:buNone/>
-            </a:pPr>
-            <a:r>
-              <a:rPr lang="pt-BR" dirty="0"/>
-              <a:t>e = a * </a:t>
-            </a:r>
-            <a:r>
-              <a:rPr lang="pt-BR" dirty="0" err="1"/>
-              <a:t>b</a:t>
-            </a:r>
-            <a:r>
-              <a:rPr lang="pt-BR" dirty="0"/>
-              <a:t>; // 6</a:t>
-            </a:r>
-          </a:p>
-          <a:p>
-            <a:pPr marL="0" indent="0">
-              <a:buNone/>
-            </a:pPr>
-            <a:r>
-              <a:rPr lang="pt-BR" dirty="0" err="1"/>
-              <a:t>f</a:t>
-            </a:r>
-            <a:r>
-              <a:rPr lang="pt-BR" dirty="0"/>
-              <a:t> = a / </a:t>
-            </a:r>
-            <a:r>
-              <a:rPr lang="pt-BR" dirty="0" err="1"/>
-              <a:t>b</a:t>
-            </a:r>
-            <a:r>
-              <a:rPr lang="pt-BR" dirty="0"/>
-              <a:t>;   // 0.66</a:t>
+              <a:rPr lang="pt-BR" dirty="0">
+                <a:highlight>
+                  <a:srgbClr val="00FF00"/>
+                </a:highlight>
+              </a:rPr>
+              <a:t> peso;</a:t>
+            </a:r>
+          </a:p>
+          <a:p>
+            <a:pPr marL="0" indent="0">
+              <a:buNone/>
+            </a:pPr>
+            <a:r>
+              <a:rPr lang="pt-BR" dirty="0">
+                <a:highlight>
+                  <a:srgbClr val="00FF00"/>
+                </a:highlight>
+              </a:rPr>
+              <a:t>peso = 45; </a:t>
+            </a:r>
+            <a:r>
+              <a:rPr lang="pt-BR" dirty="0"/>
+              <a:t>// tipo inteiro</a:t>
+            </a:r>
+          </a:p>
+          <a:p>
+            <a:pPr marL="0" indent="0">
+              <a:buNone/>
+            </a:pPr>
+            <a:r>
+              <a:rPr lang="pt-BR" dirty="0">
+                <a:highlight>
+                  <a:srgbClr val="00FF00"/>
+                </a:highlight>
+              </a:rPr>
+              <a:t>peso = 45.5; </a:t>
+            </a:r>
+            <a:r>
+              <a:rPr lang="pt-BR" dirty="0"/>
+              <a:t>// tipo real</a:t>
+            </a:r>
+          </a:p>
+          <a:p>
+            <a:pPr marL="0" indent="0">
+              <a:buNone/>
+            </a:pPr>
+            <a:r>
+              <a:rPr lang="pt-BR" dirty="0">
+                <a:highlight>
+                  <a:srgbClr val="00FF00"/>
+                </a:highlight>
+              </a:rPr>
+              <a:t>peso = “45 kg”; </a:t>
+            </a:r>
+            <a:r>
+              <a:rPr lang="pt-BR" dirty="0"/>
+              <a:t>// tipo texto ou </a:t>
+            </a:r>
+            <a:r>
+              <a:rPr lang="pt-BR" dirty="0" err="1"/>
+              <a:t>string</a:t>
+            </a:r>
+            <a:r>
+              <a:rPr lang="pt-BR" dirty="0"/>
+              <a:t> </a:t>
             </a:r>
           </a:p>
           <a:p>
@@ -4376,7 +4351,7 @@
     </p:spTree>
     <p:extLst>
       <p:ext uri="{BB962C8B-B14F-4D97-AF65-F5344CB8AC3E}">
-        <p14:creationId xmlns:p14="http://schemas.microsoft.com/office/powerpoint/2010/main" val="2932657063"/>
+        <p14:creationId xmlns:p14="http://schemas.microsoft.com/office/powerpoint/2010/main" val="1071493134"/>
       </p:ext>
     </p:extLst>
   </p:cSld>
@@ -4408,7 +4383,7 @@
           <p:cNvPr id="2" name="Título 1">
             <a:extLst>
               <a:ext uri="{FF2B5EF4-FFF2-40B4-BE49-F238E27FC236}">
-                <a16:creationId xmlns:a16="http://schemas.microsoft.com/office/drawing/2014/main" id="{006D34BD-0579-2547-AD09-6B3EAB720181}"/>
+                <a16:creationId xmlns:a16="http://schemas.microsoft.com/office/drawing/2014/main" id="{D7698A25-796A-6240-B8C8-DE9874FA9146}"/>
               </a:ext>
             </a:extLst>
           </p:cNvPr>
@@ -4426,7 +4401,7 @@
           <a:p>
             <a:r>
               <a:rPr lang="pt-BR" dirty="0"/>
-              <a:t>Outros operadores matemáticos</a:t>
+              <a:t>Operadores Matemáticos</a:t>
             </a:r>
           </a:p>
         </p:txBody>
@@ -4436,7 +4411,7 @@
           <p:cNvPr id="3" name="Espaço Reservado para Conteúdo 2">
             <a:extLst>
               <a:ext uri="{FF2B5EF4-FFF2-40B4-BE49-F238E27FC236}">
-                <a16:creationId xmlns:a16="http://schemas.microsoft.com/office/drawing/2014/main" id="{1E19539C-F04F-1B4F-B9A7-B68432A4A747}"/>
+                <a16:creationId xmlns:a16="http://schemas.microsoft.com/office/drawing/2014/main" id="{AC512B60-F835-6A43-A5BE-5BB50D09491A}"/>
               </a:ext>
             </a:extLst>
           </p:cNvPr>
@@ -4450,42 +4425,59 @@
         <p:spPr/>
         <p:txBody>
           <a:bodyPr>
-            <a:normAutofit fontScale="92500" lnSpcReduction="20000"/>
+            <a:normAutofit fontScale="85000" lnSpcReduction="20000"/>
           </a:bodyPr>
           <a:lstStyle/>
           <a:p>
             <a:r>
               <a:rPr lang="pt-BR" dirty="0"/>
-              <a:t>Utilizando classes que já estão prontas:</a:t>
-            </a:r>
-          </a:p>
-          <a:p>
-            <a:r>
-              <a:rPr lang="pt-BR" dirty="0"/>
-              <a:t>Classe </a:t>
-            </a:r>
-            <a:r>
-              <a:rPr lang="pt-BR" dirty="0" err="1"/>
-              <a:t>Math</a:t>
-            </a:r>
-            <a:r>
-              <a:rPr lang="pt-BR" dirty="0"/>
-              <a:t> e seus métodos:</a:t>
-            </a:r>
-          </a:p>
-          <a:p>
-            <a:r>
-              <a:rPr lang="pt-BR" dirty="0"/>
-              <a:t>Exemplo:</a:t>
-            </a:r>
-          </a:p>
-          <a:p>
-            <a:pPr marL="0" indent="0">
-              <a:buNone/>
-            </a:pPr>
-            <a:r>
-              <a:rPr lang="pt-BR" dirty="0"/>
-              <a:t>var a, </a:t>
+              <a:t>Soma: sinal de +</a:t>
+            </a:r>
+          </a:p>
+          <a:p>
+            <a:r>
+              <a:rPr lang="pt-BR" dirty="0"/>
+              <a:t>Subtração: sinal de -</a:t>
+            </a:r>
+          </a:p>
+          <a:p>
+            <a:r>
+              <a:rPr lang="pt-BR" dirty="0"/>
+              <a:t>Multiplicação: sinal de *</a:t>
+            </a:r>
+          </a:p>
+          <a:p>
+            <a:r>
+              <a:rPr lang="pt-BR" dirty="0"/>
+              <a:t>Divisão: sinal de /</a:t>
+            </a:r>
+          </a:p>
+          <a:p>
+            <a:r>
+              <a:rPr lang="pt-BR" dirty="0"/>
+              <a:t>Exemplo: </a:t>
+            </a:r>
+          </a:p>
+          <a:p>
+            <a:pPr marL="0" indent="0">
+              <a:buNone/>
+            </a:pPr>
+            <a:r>
+              <a:rPr lang="pt-BR" dirty="0" err="1"/>
+              <a:t>let</a:t>
+            </a:r>
+            <a:r>
+              <a:rPr lang="pt-BR" dirty="0"/>
+              <a:t> a, b, c, d, e, f;</a:t>
+            </a:r>
+          </a:p>
+          <a:p>
+            <a:pPr marL="0" indent="0">
+              <a:buNone/>
+            </a:pPr>
+            <a:r>
+              <a:rPr lang="pt-BR" dirty="0"/>
+              <a:t>a = 2; </a:t>
             </a:r>
             <a:r>
               <a:rPr lang="pt-BR" dirty="0" err="1"/>
@@ -4493,152 +4485,86 @@
             </a:r>
             <a:r>
               <a:rPr lang="pt-BR" dirty="0"/>
-              <a:t>, </a:t>
-            </a:r>
-            <a:r>
-              <a:rPr lang="pt-BR" dirty="0" err="1"/>
-              <a:t>c</a:t>
-            </a:r>
-            <a:r>
-              <a:rPr lang="pt-BR" dirty="0"/>
-              <a:t>, </a:t>
-            </a:r>
+              <a:t> = 3;</a:t>
+            </a:r>
+          </a:p>
+          <a:p>
+            <a:pPr marL="0" indent="0">
+              <a:buNone/>
+            </a:pPr>
+            <a:r>
+              <a:rPr lang="pt-BR" dirty="0"/>
+              <a:t>c = a + </a:t>
+            </a:r>
+            <a:r>
+              <a:rPr lang="pt-BR" dirty="0" err="1"/>
+              <a:t>b</a:t>
+            </a:r>
+            <a:r>
+              <a:rPr lang="pt-BR" dirty="0"/>
+              <a:t>; // 5</a:t>
+            </a:r>
+          </a:p>
+          <a:p>
+            <a:pPr marL="0" indent="0">
+              <a:buNone/>
+            </a:pPr>
             <a:r>
               <a:rPr lang="pt-BR" dirty="0" err="1"/>
               <a:t>d</a:t>
             </a:r>
             <a:r>
               <a:rPr lang="pt-BR" dirty="0"/>
-              <a:t>;</a:t>
-            </a:r>
-          </a:p>
-          <a:p>
-            <a:pPr marL="0" indent="0">
-              <a:buNone/>
-            </a:pPr>
-            <a:r>
-              <a:rPr lang="pt-BR" dirty="0"/>
-              <a:t>a = </a:t>
-            </a:r>
-            <a:r>
-              <a:rPr lang="pt-BR" dirty="0" err="1"/>
-              <a:t>Math.pow</a:t>
-            </a:r>
-            <a:r>
-              <a:rPr lang="pt-BR" dirty="0"/>
-              <a:t>(2,3); //8</a:t>
-            </a:r>
-          </a:p>
-          <a:p>
-            <a:pPr marL="0" indent="0">
-              <a:buNone/>
-            </a:pPr>
-            <a:r>
-              <a:rPr lang="pt-BR" dirty="0"/>
-              <a:t>b = </a:t>
-            </a:r>
-            <a:r>
-              <a:rPr lang="pt-BR" dirty="0" err="1"/>
-              <a:t>Math.sqrt</a:t>
-            </a:r>
-            <a:r>
-              <a:rPr lang="pt-BR" dirty="0"/>
-              <a:t>(16); // 4</a:t>
-            </a:r>
-          </a:p>
-          <a:p>
-            <a:pPr marL="0" indent="0">
-              <a:buNone/>
-            </a:pPr>
-            <a:r>
-              <a:rPr lang="pt-BR" dirty="0" err="1"/>
-              <a:t>c</a:t>
-            </a:r>
-            <a:r>
-              <a:rPr lang="pt-BR" dirty="0"/>
-              <a:t> = </a:t>
-            </a:r>
-            <a:r>
-              <a:rPr lang="pt-BR" dirty="0" err="1"/>
-              <a:t>Math.cqrt</a:t>
-            </a:r>
-            <a:r>
-              <a:rPr lang="pt-BR" dirty="0"/>
-              <a:t>(8); // 2</a:t>
-            </a:r>
-          </a:p>
-          <a:p>
-            <a:pPr marL="0" indent="0">
-              <a:buNone/>
-            </a:pPr>
-            <a:r>
-              <a:rPr lang="pt-BR" dirty="0"/>
-              <a:t>d = </a:t>
-            </a:r>
-            <a:r>
-              <a:rPr lang="pt-BR" dirty="0" err="1"/>
-              <a:t>Math.cos</a:t>
-            </a:r>
-            <a:r>
-              <a:rPr lang="pt-BR" dirty="0"/>
-              <a:t>(</a:t>
-            </a:r>
-            <a:r>
-              <a:rPr lang="pt-BR"/>
-              <a:t>1); // 0.54</a:t>
-            </a:r>
-            <a:endParaRPr lang="pt-BR" dirty="0"/>
-          </a:p>
-          <a:p>
-            <a:pPr marL="0" indent="0">
-              <a:buNone/>
-            </a:pPr>
-            <a:endParaRPr lang="pt-BR" dirty="0"/>
-          </a:p>
-          <a:p>
-            <a:pPr marL="0" indent="0">
-              <a:buNone/>
-            </a:pPr>
-            <a:r>
-              <a:rPr lang="pt-BR" dirty="0"/>
-              <a:t>Consultar mais em </a:t>
-            </a:r>
-            <a:r>
-              <a:rPr lang="pt-BR" dirty="0" err="1"/>
-              <a:t>https</a:t>
-            </a:r>
-            <a:r>
-              <a:rPr lang="pt-BR" dirty="0"/>
-              <a:t>://</a:t>
-            </a:r>
-            <a:r>
-              <a:rPr lang="pt-BR" dirty="0" err="1"/>
-              <a:t>developer.mozilla.org</a:t>
-            </a:r>
-            <a:r>
-              <a:rPr lang="pt-BR" dirty="0"/>
-              <a:t>/</a:t>
-            </a:r>
-            <a:r>
-              <a:rPr lang="pt-BR" dirty="0" err="1"/>
-              <a:t>pt</a:t>
-            </a:r>
-            <a:r>
-              <a:rPr lang="pt-BR" dirty="0"/>
-              <a:t>-BR/</a:t>
-            </a:r>
-            <a:r>
-              <a:rPr lang="pt-BR" dirty="0" err="1"/>
-              <a:t>docs</a:t>
-            </a:r>
-            <a:r>
-              <a:rPr lang="pt-BR" dirty="0"/>
-              <a:t>/Web/</a:t>
-            </a:r>
-            <a:r>
-              <a:rPr lang="pt-BR" dirty="0" err="1"/>
-              <a:t>JavaScript</a:t>
-            </a:r>
+              <a:t> = a – </a:t>
+            </a:r>
+            <a:r>
+              <a:rPr lang="pt-BR" dirty="0" err="1"/>
+              <a:t>b</a:t>
+            </a:r>
+            <a:r>
+              <a:rPr lang="pt-BR" dirty="0"/>
+              <a:t>; // -1</a:t>
+            </a:r>
+          </a:p>
+          <a:p>
+            <a:pPr marL="0" indent="0">
+              <a:buNone/>
+            </a:pPr>
+            <a:r>
+              <a:rPr lang="pt-BR" dirty="0"/>
+              <a:t>e = a * </a:t>
+            </a:r>
+            <a:r>
+              <a:rPr lang="pt-BR" dirty="0" err="1"/>
+              <a:t>b</a:t>
+            </a:r>
+            <a:r>
+              <a:rPr lang="pt-BR" dirty="0"/>
+              <a:t>; // 6</a:t>
+            </a:r>
+          </a:p>
+          <a:p>
+            <a:pPr marL="0" indent="0">
+              <a:buNone/>
+            </a:pPr>
+            <a:r>
+              <a:rPr lang="pt-BR" dirty="0" err="1"/>
+              <a:t>f</a:t>
+            </a:r>
+            <a:r>
+              <a:rPr lang="pt-BR" dirty="0"/>
+              <a:t> = a / </a:t>
+            </a:r>
+            <a:r>
+              <a:rPr lang="pt-BR" dirty="0" err="1"/>
+              <a:t>b</a:t>
+            </a:r>
+            <a:r>
+              <a:rPr lang="pt-BR" dirty="0"/>
+              <a:t>;   // 0.66</a:t>
+            </a:r>
+          </a:p>
+          <a:p>
             <a:endParaRPr lang="pt-BR" dirty="0"/>
           </a:p>
         </p:txBody>
@@ -4646,7 +4572,7 @@
     </p:spTree>
     <p:extLst>
       <p:ext uri="{BB962C8B-B14F-4D97-AF65-F5344CB8AC3E}">
-        <p14:creationId xmlns:p14="http://schemas.microsoft.com/office/powerpoint/2010/main" val="911997060"/>
+        <p14:creationId xmlns:p14="http://schemas.microsoft.com/office/powerpoint/2010/main" val="2932657063"/>
       </p:ext>
     </p:extLst>
   </p:cSld>
@@ -4678,7 +4604,7 @@
           <p:cNvPr id="2" name="Título 1">
             <a:extLst>
               <a:ext uri="{FF2B5EF4-FFF2-40B4-BE49-F238E27FC236}">
-                <a16:creationId xmlns:a16="http://schemas.microsoft.com/office/drawing/2014/main" id="{30F74EDA-028F-684E-B0D5-4AAC4CE5B5E2}"/>
+                <a16:creationId xmlns:a16="http://schemas.microsoft.com/office/drawing/2014/main" id="{006D34BD-0579-2547-AD09-6B3EAB720181}"/>
               </a:ext>
             </a:extLst>
           </p:cNvPr>
@@ -4696,7 +4622,7 @@
           <a:p>
             <a:r>
               <a:rPr lang="pt-BR" dirty="0"/>
-              <a:t>Comando de atribuição</a:t>
+              <a:t>Outros operadores matemáticos</a:t>
             </a:r>
           </a:p>
         </p:txBody>
@@ -4706,7 +4632,7 @@
           <p:cNvPr id="3" name="Espaço Reservado para Conteúdo 2">
             <a:extLst>
               <a:ext uri="{FF2B5EF4-FFF2-40B4-BE49-F238E27FC236}">
-                <a16:creationId xmlns:a16="http://schemas.microsoft.com/office/drawing/2014/main" id="{804191A7-4A73-734F-B8F9-768278C4A4F3}"/>
+                <a16:creationId xmlns:a16="http://schemas.microsoft.com/office/drawing/2014/main" id="{1E19539C-F04F-1B4F-B9A7-B68432A4A747}"/>
               </a:ext>
             </a:extLst>
           </p:cNvPr>
@@ -4719,12 +4645,28 @@
         </p:nvSpPr>
         <p:spPr/>
         <p:txBody>
-          <a:bodyPr/>
-          <a:lstStyle/>
-          <a:p>
-            <a:r>
-              <a:rPr lang="pt-BR" dirty="0"/>
-              <a:t>Apenas um sinal de =</a:t>
+          <a:bodyPr>
+            <a:normAutofit fontScale="92500" lnSpcReduction="20000"/>
+          </a:bodyPr>
+          <a:lstStyle/>
+          <a:p>
+            <a:r>
+              <a:rPr lang="pt-BR" dirty="0"/>
+              <a:t>Utilizando classes que já estão prontas:</a:t>
+            </a:r>
+          </a:p>
+          <a:p>
+            <a:r>
+              <a:rPr lang="pt-BR" dirty="0"/>
+              <a:t>Classe </a:t>
+            </a:r>
+            <a:r>
+              <a:rPr lang="pt-BR" dirty="0" err="1"/>
+              <a:t>Math</a:t>
+            </a:r>
+            <a:r>
+              <a:rPr lang="pt-BR" dirty="0"/>
+              <a:t> e seus métodos:</a:t>
             </a:r>
           </a:p>
           <a:p>
@@ -4743,25 +4685,79 @@
             </a:r>
             <a:r>
               <a:rPr lang="pt-BR" dirty="0"/>
-              <a:t> a;</a:t>
-            </a:r>
-          </a:p>
-          <a:p>
-            <a:pPr marL="0" indent="0">
-              <a:buNone/>
-            </a:pPr>
-            <a:r>
-              <a:rPr lang="pt-BR" dirty="0"/>
-              <a:t>a = 10;</a:t>
-            </a:r>
-          </a:p>
-          <a:p>
-            <a:pPr marL="0" indent="0">
-              <a:buNone/>
-            </a:pPr>
-            <a:r>
-              <a:rPr lang="pt-BR" dirty="0"/>
-              <a:t>a = “maior”;</a:t>
+              <a:t> a, b, c, d;</a:t>
+            </a:r>
+          </a:p>
+          <a:p>
+            <a:pPr marL="0" indent="0">
+              <a:buNone/>
+            </a:pPr>
+            <a:r>
+              <a:rPr lang="pt-BR" dirty="0"/>
+              <a:t>a = </a:t>
+            </a:r>
+            <a:r>
+              <a:rPr lang="pt-BR" dirty="0" err="1"/>
+              <a:t>Math.pow</a:t>
+            </a:r>
+            <a:r>
+              <a:rPr lang="pt-BR" dirty="0"/>
+              <a:t>(2,3); //8</a:t>
+            </a:r>
+          </a:p>
+          <a:p>
+            <a:pPr marL="0" indent="0">
+              <a:buNone/>
+            </a:pPr>
+            <a:r>
+              <a:rPr lang="pt-BR" dirty="0"/>
+              <a:t>b = </a:t>
+            </a:r>
+            <a:r>
+              <a:rPr lang="pt-BR" dirty="0" err="1"/>
+              <a:t>Math.sqrt</a:t>
+            </a:r>
+            <a:r>
+              <a:rPr lang="pt-BR" dirty="0"/>
+              <a:t>(16); // 4</a:t>
+            </a:r>
+          </a:p>
+          <a:p>
+            <a:pPr marL="0" indent="0">
+              <a:buNone/>
+            </a:pPr>
+            <a:r>
+              <a:rPr lang="pt-BR" dirty="0" err="1"/>
+              <a:t>c</a:t>
+            </a:r>
+            <a:r>
+              <a:rPr lang="pt-BR" dirty="0"/>
+              <a:t> = </a:t>
+            </a:r>
+            <a:r>
+              <a:rPr lang="pt-BR" dirty="0" err="1"/>
+              <a:t>Math.cqrt</a:t>
+            </a:r>
+            <a:r>
+              <a:rPr lang="pt-BR" dirty="0"/>
+              <a:t>(8); // 2</a:t>
+            </a:r>
+          </a:p>
+          <a:p>
+            <a:pPr marL="0" indent="0">
+              <a:buNone/>
+            </a:pPr>
+            <a:r>
+              <a:rPr lang="pt-BR" dirty="0"/>
+              <a:t>d = </a:t>
+            </a:r>
+            <a:r>
+              <a:rPr lang="pt-BR" dirty="0" err="1"/>
+              <a:t>Math.cos</a:t>
+            </a:r>
+            <a:r>
+              <a:rPr lang="pt-BR" dirty="0"/>
+              <a:t>(1); // 0.54</a:t>
             </a:r>
           </a:p>
           <a:p>
@@ -4771,6 +4767,49 @@
             <a:endParaRPr lang="pt-BR" dirty="0"/>
           </a:p>
           <a:p>
+            <a:pPr marL="0" indent="0">
+              <a:buNone/>
+            </a:pPr>
+            <a:r>
+              <a:rPr lang="pt-BR" dirty="0"/>
+              <a:t>Consultar mais em </a:t>
+            </a:r>
+            <a:r>
+              <a:rPr lang="pt-BR" dirty="0" err="1"/>
+              <a:t>https</a:t>
+            </a:r>
+            <a:r>
+              <a:rPr lang="pt-BR" dirty="0"/>
+              <a:t>://</a:t>
+            </a:r>
+            <a:r>
+              <a:rPr lang="pt-BR" dirty="0" err="1"/>
+              <a:t>developer.mozilla.org</a:t>
+            </a:r>
+            <a:r>
+              <a:rPr lang="pt-BR" dirty="0"/>
+              <a:t>/</a:t>
+            </a:r>
+            <a:r>
+              <a:rPr lang="pt-BR" dirty="0" err="1"/>
+              <a:t>pt</a:t>
+            </a:r>
+            <a:r>
+              <a:rPr lang="pt-BR" dirty="0"/>
+              <a:t>-BR/</a:t>
+            </a:r>
+            <a:r>
+              <a:rPr lang="pt-BR" dirty="0" err="1"/>
+              <a:t>docs</a:t>
+            </a:r>
+            <a:r>
+              <a:rPr lang="pt-BR" dirty="0"/>
+              <a:t>/Web/</a:t>
+            </a:r>
+            <a:r>
+              <a:rPr lang="pt-BR" dirty="0" err="1"/>
+              <a:t>JavaScript</a:t>
+            </a:r>
             <a:endParaRPr lang="pt-BR" dirty="0"/>
           </a:p>
         </p:txBody>
@@ -4778,7 +4817,7 @@
     </p:spTree>
     <p:extLst>
       <p:ext uri="{BB962C8B-B14F-4D97-AF65-F5344CB8AC3E}">
-        <p14:creationId xmlns:p14="http://schemas.microsoft.com/office/powerpoint/2010/main" val="114594595"/>
+        <p14:creationId xmlns:p14="http://schemas.microsoft.com/office/powerpoint/2010/main" val="911997060"/>
       </p:ext>
     </p:extLst>
   </p:cSld>
